--- a/00.기획서/221013_용어정리.pptx
+++ b/00.기획서/221013_용어정리.pptx
@@ -243,7 +243,7 @@
           <a:p>
             <a:fld id="{8C183FCD-8E71-4666-945E-F43FB14D414B}" type="datetimeFigureOut">
               <a:rPr lang="ko-KR" altLang="en-US" smtClean="0"/>
-              <a:t>2022-10-13</a:t>
+              <a:t>2022-10-17</a:t>
             </a:fld>
             <a:endParaRPr lang="ko-KR" altLang="en-US"/>
           </a:p>
@@ -413,7 +413,7 @@
           <a:p>
             <a:fld id="{8C183FCD-8E71-4666-945E-F43FB14D414B}" type="datetimeFigureOut">
               <a:rPr lang="ko-KR" altLang="en-US" smtClean="0"/>
-              <a:t>2022-10-13</a:t>
+              <a:t>2022-10-17</a:t>
             </a:fld>
             <a:endParaRPr lang="ko-KR" altLang="en-US"/>
           </a:p>
@@ -593,7 +593,7 @@
           <a:p>
             <a:fld id="{8C183FCD-8E71-4666-945E-F43FB14D414B}" type="datetimeFigureOut">
               <a:rPr lang="ko-KR" altLang="en-US" smtClean="0"/>
-              <a:t>2022-10-13</a:t>
+              <a:t>2022-10-17</a:t>
             </a:fld>
             <a:endParaRPr lang="ko-KR" altLang="en-US"/>
           </a:p>
@@ -763,7 +763,7 @@
           <a:p>
             <a:fld id="{8C183FCD-8E71-4666-945E-F43FB14D414B}" type="datetimeFigureOut">
               <a:rPr lang="ko-KR" altLang="en-US" smtClean="0"/>
-              <a:t>2022-10-13</a:t>
+              <a:t>2022-10-17</a:t>
             </a:fld>
             <a:endParaRPr lang="ko-KR" altLang="en-US"/>
           </a:p>
@@ -1009,7 +1009,7 @@
           <a:p>
             <a:fld id="{8C183FCD-8E71-4666-945E-F43FB14D414B}" type="datetimeFigureOut">
               <a:rPr lang="ko-KR" altLang="en-US" smtClean="0"/>
-              <a:t>2022-10-13</a:t>
+              <a:t>2022-10-17</a:t>
             </a:fld>
             <a:endParaRPr lang="ko-KR" altLang="en-US"/>
           </a:p>
@@ -1241,7 +1241,7 @@
           <a:p>
             <a:fld id="{8C183FCD-8E71-4666-945E-F43FB14D414B}" type="datetimeFigureOut">
               <a:rPr lang="ko-KR" altLang="en-US" smtClean="0"/>
-              <a:t>2022-10-13</a:t>
+              <a:t>2022-10-17</a:t>
             </a:fld>
             <a:endParaRPr lang="ko-KR" altLang="en-US"/>
           </a:p>
@@ -1608,7 +1608,7 @@
           <a:p>
             <a:fld id="{8C183FCD-8E71-4666-945E-F43FB14D414B}" type="datetimeFigureOut">
               <a:rPr lang="ko-KR" altLang="en-US" smtClean="0"/>
-              <a:t>2022-10-13</a:t>
+              <a:t>2022-10-17</a:t>
             </a:fld>
             <a:endParaRPr lang="ko-KR" altLang="en-US"/>
           </a:p>
@@ -1726,7 +1726,7 @@
           <a:p>
             <a:fld id="{8C183FCD-8E71-4666-945E-F43FB14D414B}" type="datetimeFigureOut">
               <a:rPr lang="ko-KR" altLang="en-US" smtClean="0"/>
-              <a:t>2022-10-13</a:t>
+              <a:t>2022-10-17</a:t>
             </a:fld>
             <a:endParaRPr lang="ko-KR" altLang="en-US"/>
           </a:p>
@@ -1821,7 +1821,7 @@
           <a:p>
             <a:fld id="{8C183FCD-8E71-4666-945E-F43FB14D414B}" type="datetimeFigureOut">
               <a:rPr lang="ko-KR" altLang="en-US" smtClean="0"/>
-              <a:t>2022-10-13</a:t>
+              <a:t>2022-10-17</a:t>
             </a:fld>
             <a:endParaRPr lang="ko-KR" altLang="en-US"/>
           </a:p>
@@ -2098,7 +2098,7 @@
           <a:p>
             <a:fld id="{8C183FCD-8E71-4666-945E-F43FB14D414B}" type="datetimeFigureOut">
               <a:rPr lang="ko-KR" altLang="en-US" smtClean="0"/>
-              <a:t>2022-10-13</a:t>
+              <a:t>2022-10-17</a:t>
             </a:fld>
             <a:endParaRPr lang="ko-KR" altLang="en-US"/>
           </a:p>
@@ -2351,7 +2351,7 @@
           <a:p>
             <a:fld id="{8C183FCD-8E71-4666-945E-F43FB14D414B}" type="datetimeFigureOut">
               <a:rPr lang="ko-KR" altLang="en-US" smtClean="0"/>
-              <a:t>2022-10-13</a:t>
+              <a:t>2022-10-17</a:t>
             </a:fld>
             <a:endParaRPr lang="ko-KR" altLang="en-US"/>
           </a:p>
@@ -2564,7 +2564,7 @@
           <a:p>
             <a:fld id="{8C183FCD-8E71-4666-945E-F43FB14D414B}" type="datetimeFigureOut">
               <a:rPr lang="ko-KR" altLang="en-US" smtClean="0"/>
-              <a:t>2022-10-13</a:t>
+              <a:t>2022-10-17</a:t>
             </a:fld>
             <a:endParaRPr lang="ko-KR" altLang="en-US"/>
           </a:p>
@@ -2977,7 +2977,7 @@
         </p:nvSpPr>
         <p:spPr>
           <a:xfrm>
-            <a:off x="1052051" y="1759975"/>
+            <a:off x="353782" y="828948"/>
             <a:ext cx="1386349" cy="737420"/>
           </a:xfrm>
           <a:prstGeom prst="rect">
@@ -3035,7 +3035,7 @@
         </p:nvSpPr>
         <p:spPr>
           <a:xfrm>
-            <a:off x="2905432" y="1759975"/>
+            <a:off x="2207163" y="828948"/>
             <a:ext cx="1386349" cy="737420"/>
           </a:xfrm>
           <a:prstGeom prst="rect">
@@ -3093,7 +3093,7 @@
         </p:nvSpPr>
         <p:spPr>
           <a:xfrm>
-            <a:off x="4758813" y="1759975"/>
+            <a:off x="4060544" y="828948"/>
             <a:ext cx="1386349" cy="737420"/>
           </a:xfrm>
           <a:prstGeom prst="rect">
@@ -3151,7 +3151,7 @@
         </p:nvSpPr>
         <p:spPr>
           <a:xfrm>
-            <a:off x="4758813" y="2723536"/>
+            <a:off x="4060544" y="4675875"/>
             <a:ext cx="1386349" cy="737420"/>
           </a:xfrm>
           <a:prstGeom prst="rect">
@@ -3201,138 +3201,6 @@
           </a:p>
         </p:txBody>
       </p:sp>
-      <p:sp>
-        <p:nvSpPr>
-          <p:cNvPr id="8" name="직사각형 7"/>
-          <p:cNvSpPr/>
-          <p:nvPr/>
-        </p:nvSpPr>
-        <p:spPr>
-          <a:xfrm>
-            <a:off x="4758813" y="3687097"/>
-            <a:ext cx="1386349" cy="737420"/>
-          </a:xfrm>
-          <a:prstGeom prst="rect">
-            <a:avLst/>
-          </a:prstGeom>
-          <a:noFill/>
-          <a:ln>
-            <a:solidFill>
-              <a:schemeClr val="tx1"/>
-            </a:solidFill>
-          </a:ln>
-        </p:spPr>
-        <p:style>
-          <a:lnRef idx="2">
-            <a:schemeClr val="accent1">
-              <a:shade val="50000"/>
-            </a:schemeClr>
-          </a:lnRef>
-          <a:fillRef idx="1">
-            <a:schemeClr val="accent1"/>
-          </a:fillRef>
-          <a:effectRef idx="0">
-            <a:schemeClr val="accent1"/>
-          </a:effectRef>
-          <a:fontRef idx="minor">
-            <a:schemeClr val="lt1"/>
-          </a:fontRef>
-        </p:style>
-        <p:txBody>
-          <a:bodyPr rtlCol="0" anchor="ctr"/>
-          <a:lstStyle/>
-          <a:p>
-            <a:pPr algn="ctr"/>
-            <a:r>
-              <a:rPr lang="ko-KR" altLang="en-US" b="1" dirty="0" smtClean="0">
-                <a:solidFill>
-                  <a:schemeClr val="tx1"/>
-                </a:solidFill>
-              </a:rPr>
-              <a:t>회상</a:t>
-            </a:r>
-            <a:endParaRPr lang="ko-KR" altLang="en-US" b="1" dirty="0">
-              <a:solidFill>
-                <a:schemeClr val="tx1"/>
-              </a:solidFill>
-            </a:endParaRPr>
-          </a:p>
-        </p:txBody>
-      </p:sp>
-      <p:sp>
-        <p:nvSpPr>
-          <p:cNvPr id="9" name="직사각형 8"/>
-          <p:cNvSpPr/>
-          <p:nvPr/>
-        </p:nvSpPr>
-        <p:spPr>
-          <a:xfrm>
-            <a:off x="4758813" y="4650658"/>
-            <a:ext cx="1386349" cy="737420"/>
-          </a:xfrm>
-          <a:prstGeom prst="rect">
-            <a:avLst/>
-          </a:prstGeom>
-          <a:noFill/>
-          <a:ln>
-            <a:solidFill>
-              <a:schemeClr val="tx1"/>
-            </a:solidFill>
-          </a:ln>
-        </p:spPr>
-        <p:style>
-          <a:lnRef idx="2">
-            <a:schemeClr val="accent1">
-              <a:shade val="50000"/>
-            </a:schemeClr>
-          </a:lnRef>
-          <a:fillRef idx="1">
-            <a:schemeClr val="accent1"/>
-          </a:fillRef>
-          <a:effectRef idx="0">
-            <a:schemeClr val="accent1"/>
-          </a:effectRef>
-          <a:fontRef idx="minor">
-            <a:schemeClr val="lt1"/>
-          </a:fontRef>
-        </p:style>
-        <p:txBody>
-          <a:bodyPr rtlCol="0" anchor="ctr"/>
-          <a:lstStyle/>
-          <a:p>
-            <a:pPr algn="ctr"/>
-            <a:r>
-              <a:rPr lang="ko-KR" altLang="en-US" b="1" dirty="0" smtClean="0">
-                <a:solidFill>
-                  <a:schemeClr val="tx1"/>
-                </a:solidFill>
-              </a:rPr>
-              <a:t>숨겨진 </a:t>
-            </a:r>
-            <a:endParaRPr lang="en-US" altLang="ko-KR" b="1" dirty="0" smtClean="0">
-              <a:solidFill>
-                <a:schemeClr val="tx1"/>
-              </a:solidFill>
-            </a:endParaRPr>
-          </a:p>
-          <a:p>
-            <a:pPr algn="ctr"/>
-            <a:r>
-              <a:rPr lang="ko-KR" altLang="en-US" b="1" dirty="0" smtClean="0">
-                <a:solidFill>
-                  <a:schemeClr val="tx1"/>
-                </a:solidFill>
-              </a:rPr>
-              <a:t>이야기</a:t>
-            </a:r>
-            <a:endParaRPr lang="ko-KR" altLang="en-US" b="1" dirty="0">
-              <a:solidFill>
-                <a:schemeClr val="tx1"/>
-              </a:solidFill>
-            </a:endParaRPr>
-          </a:p>
-        </p:txBody>
-      </p:sp>
       <p:cxnSp>
         <p:nvCxnSpPr>
           <p:cNvPr id="11" name="직선 화살표 연결선 10"/>
@@ -3344,7 +3212,7 @@
         </p:nvCxnSpPr>
         <p:spPr>
           <a:xfrm>
-            <a:off x="2438400" y="2128685"/>
+            <a:off x="1740131" y="1197658"/>
             <a:ext cx="467032" cy="0"/>
           </a:xfrm>
           <a:prstGeom prst="straightConnector1">
@@ -3380,7 +3248,7 @@
         </p:nvCxnSpPr>
         <p:spPr>
           <a:xfrm>
-            <a:off x="4291781" y="2128685"/>
+            <a:off x="3593512" y="1197658"/>
             <a:ext cx="467032" cy="0"/>
           </a:xfrm>
           <a:prstGeom prst="straightConnector1">
@@ -3416,8 +3284,8 @@
         </p:nvCxnSpPr>
         <p:spPr>
           <a:xfrm>
-            <a:off x="4291781" y="2128685"/>
-            <a:ext cx="467032" cy="963561"/>
+            <a:off x="3593512" y="1197658"/>
+            <a:ext cx="467032" cy="3846927"/>
           </a:xfrm>
           <a:prstGeom prst="bentConnector3">
             <a:avLst/>
@@ -3441,78 +3309,6 @@
           </a:fontRef>
         </p:style>
       </p:cxnSp>
-      <p:cxnSp>
-        <p:nvCxnSpPr>
-          <p:cNvPr id="17" name="꺾인 연결선 16"/>
-          <p:cNvCxnSpPr>
-            <a:stCxn id="5" idx="3"/>
-            <a:endCxn id="8" idx="1"/>
-          </p:cNvCxnSpPr>
-          <p:nvPr/>
-        </p:nvCxnSpPr>
-        <p:spPr>
-          <a:xfrm>
-            <a:off x="4291781" y="2128685"/>
-            <a:ext cx="467032" cy="1927122"/>
-          </a:xfrm>
-          <a:prstGeom prst="bentConnector3">
-            <a:avLst/>
-          </a:prstGeom>
-          <a:ln>
-            <a:tailEnd type="triangle"/>
-          </a:ln>
-        </p:spPr>
-        <p:style>
-          <a:lnRef idx="1">
-            <a:schemeClr val="dk1"/>
-          </a:lnRef>
-          <a:fillRef idx="0">
-            <a:schemeClr val="dk1"/>
-          </a:fillRef>
-          <a:effectRef idx="0">
-            <a:schemeClr val="dk1"/>
-          </a:effectRef>
-          <a:fontRef idx="minor">
-            <a:schemeClr val="tx1"/>
-          </a:fontRef>
-        </p:style>
-      </p:cxnSp>
-      <p:cxnSp>
-        <p:nvCxnSpPr>
-          <p:cNvPr id="19" name="꺾인 연결선 18"/>
-          <p:cNvCxnSpPr>
-            <a:stCxn id="5" idx="3"/>
-            <a:endCxn id="9" idx="1"/>
-          </p:cNvCxnSpPr>
-          <p:nvPr/>
-        </p:nvCxnSpPr>
-        <p:spPr>
-          <a:xfrm>
-            <a:off x="4291781" y="2128685"/>
-            <a:ext cx="467032" cy="2890683"/>
-          </a:xfrm>
-          <a:prstGeom prst="bentConnector3">
-            <a:avLst/>
-          </a:prstGeom>
-          <a:ln>
-            <a:tailEnd type="triangle"/>
-          </a:ln>
-        </p:spPr>
-        <p:style>
-          <a:lnRef idx="1">
-            <a:schemeClr val="dk1"/>
-          </a:lnRef>
-          <a:fillRef idx="0">
-            <a:schemeClr val="dk1"/>
-          </a:fillRef>
-          <a:effectRef idx="0">
-            <a:schemeClr val="dk1"/>
-          </a:effectRef>
-          <a:fontRef idx="minor">
-            <a:schemeClr val="tx1"/>
-          </a:fontRef>
-        </p:style>
-      </p:cxnSp>
       <p:sp>
         <p:nvSpPr>
           <p:cNvPr id="20" name="TextBox 19"/>
@@ -3521,8 +3317,8 @@
         </p:nvSpPr>
         <p:spPr>
           <a:xfrm>
-            <a:off x="6272981" y="1758731"/>
-            <a:ext cx="5279922" cy="738664"/>
+            <a:off x="5599650" y="736944"/>
+            <a:ext cx="6362365" cy="3323987"/>
           </a:xfrm>
           <a:prstGeom prst="rect">
             <a:avLst/>
@@ -3536,8 +3332,16 @@
           <a:lstStyle/>
           <a:p>
             <a:r>
+              <a:rPr lang="en-US" altLang="ko-KR" sz="1400" dirty="0" smtClean="0"/>
+              <a:t>- </a:t>
+            </a:r>
+            <a:r>
               <a:rPr lang="ko-KR" altLang="en-US" sz="1400" dirty="0" smtClean="0"/>
-              <a:t>데이트 코스를 선택하고 코스를 따라가며 진행</a:t>
+              <a:t>데이트 </a:t>
+            </a:r>
+            <a:r>
+              <a:rPr lang="ko-KR" altLang="en-US" sz="1400" dirty="0" smtClean="0"/>
+              <a:t>코스를 선택하고 코스를 따라가며 진행</a:t>
             </a:r>
             <a:r>
               <a:rPr lang="en-US" altLang="ko-KR" sz="1400" dirty="0" smtClean="0"/>
@@ -3554,24 +3358,43 @@
           </a:p>
           <a:p>
             <a:r>
-              <a:rPr lang="ko-KR" altLang="en-US" sz="1400" b="1" dirty="0" smtClean="0"/>
-              <a:t>약속장소</a:t>
-            </a:r>
-            <a:r>
               <a:rPr lang="en-US" altLang="ko-KR" sz="1400" dirty="0" smtClean="0"/>
-              <a:t>(</a:t>
+              <a:t>- </a:t>
             </a:r>
             <a:r>
               <a:rPr lang="ko-KR" altLang="en-US" sz="1400" dirty="0" smtClean="0"/>
-              <a:t>스타트 지점</a:t>
+              <a:t>스테이지 하나 당 </a:t>
             </a:r>
             <a:r>
               <a:rPr lang="en-US" altLang="ko-KR" sz="1400" dirty="0" smtClean="0"/>
-              <a:t>)</a:t>
+              <a:t>1 </a:t>
             </a:r>
             <a:r>
               <a:rPr lang="ko-KR" altLang="en-US" sz="1400" dirty="0" smtClean="0"/>
-              <a:t>에 가야 시작할 수 있음</a:t>
+              <a:t>개의 출발 지점과 </a:t>
+            </a:r>
+            <a:r>
+              <a:rPr lang="en-US" altLang="ko-KR" sz="1400" dirty="0" smtClean="0"/>
+              <a:t>2</a:t>
+            </a:r>
+            <a:r>
+              <a:rPr lang="ko-KR" altLang="en-US" sz="1400" dirty="0" smtClean="0"/>
+              <a:t>개의 목표 지점으로 구성</a:t>
+            </a:r>
+            <a:endParaRPr lang="en-US" altLang="ko-KR" sz="1400" dirty="0" smtClean="0"/>
+          </a:p>
+          <a:p>
+            <a:r>
+              <a:rPr lang="en-US" altLang="ko-KR" sz="1400" dirty="0" smtClean="0"/>
+              <a:t>- </a:t>
+            </a:r>
+            <a:r>
+              <a:rPr lang="ko-KR" altLang="en-US" sz="1400" dirty="0" smtClean="0"/>
+              <a:t>출발 지점에 </a:t>
+            </a:r>
+            <a:r>
+              <a:rPr lang="ko-KR" altLang="en-US" sz="1400" dirty="0" smtClean="0"/>
+              <a:t>가야 시작할 수 있음</a:t>
             </a:r>
             <a:r>
               <a:rPr lang="en-US" altLang="ko-KR" sz="1400" dirty="0" smtClean="0"/>
@@ -3580,34 +3403,159 @@
           </a:p>
           <a:p>
             <a:r>
+              <a:rPr lang="en-US" altLang="ko-KR" sz="1400" dirty="0" smtClean="0"/>
+              <a:t>- </a:t>
+            </a:r>
+            <a:r>
               <a:rPr lang="ko-KR" altLang="en-US" sz="1400" dirty="0" smtClean="0"/>
-              <a:t>선택지에 따라 </a:t>
-            </a:r>
-            <a:r>
-              <a:rPr lang="ko-KR" altLang="en-US" sz="1400" b="1" dirty="0" smtClean="0"/>
-              <a:t>특별 이벤트</a:t>
-            </a:r>
+              <a:t>플레이어는 상호작용을 할 수 있음</a:t>
+            </a:r>
+            <a:endParaRPr lang="en-US" altLang="ko-KR" sz="1400" dirty="0"/>
+          </a:p>
+          <a:p>
+            <a:pPr lvl="1"/>
             <a:r>
               <a:rPr lang="en-US" altLang="ko-KR" sz="1400" dirty="0" smtClean="0"/>
-              <a:t>(VPS</a:t>
+              <a:t>1. </a:t>
             </a:r>
             <a:r>
               <a:rPr lang="ko-KR" altLang="en-US" sz="1400" dirty="0" smtClean="0"/>
-              <a:t>연출</a:t>
+              <a:t>취향 맞추기</a:t>
             </a:r>
             <a:r>
               <a:rPr lang="en-US" altLang="ko-KR" sz="1400" dirty="0" smtClean="0"/>
-              <a:t>) </a:t>
+              <a:t>: </a:t>
             </a:r>
             <a:r>
               <a:rPr lang="ko-KR" altLang="en-US" sz="1400" dirty="0" smtClean="0"/>
-              <a:t>등장</a:t>
+              <a:t>캐릭터의 취향을 미리 알고 목표 지점에서 캐릭터의 취향에 해당하는 아이콘을 클릭하면 호감도 상승</a:t>
+            </a:r>
+            <a:endParaRPr lang="en-US" altLang="ko-KR" sz="1400" dirty="0" smtClean="0"/>
+          </a:p>
+          <a:p>
+            <a:pPr marL="800100" lvl="1" indent="-342900">
+              <a:buAutoNum type="arabicPeriod"/>
+            </a:pPr>
+            <a:endParaRPr lang="en-US" altLang="ko-KR" sz="1400" dirty="0" smtClean="0"/>
+          </a:p>
+          <a:p>
+            <a:pPr lvl="1"/>
+            <a:r>
+              <a:rPr lang="en-US" altLang="ko-KR" sz="1400" dirty="0" smtClean="0"/>
+              <a:t>2. </a:t>
+            </a:r>
+            <a:r>
+              <a:rPr lang="ko-KR" altLang="en-US" sz="1400" dirty="0" smtClean="0"/>
+              <a:t>방명록</a:t>
+            </a:r>
+            <a:r>
+              <a:rPr lang="en-US" altLang="ko-KR" sz="1400" dirty="0" smtClean="0"/>
+              <a:t>: </a:t>
+            </a:r>
+            <a:r>
+              <a:rPr lang="ko-KR" altLang="en-US" sz="1400" dirty="0" smtClean="0"/>
+              <a:t>특정 지점이나 건물에 화이트 </a:t>
+            </a:r>
+            <a:r>
+              <a:rPr lang="ko-KR" altLang="en-US" sz="1400" dirty="0" err="1" smtClean="0"/>
+              <a:t>보드판이</a:t>
+            </a:r>
+            <a:r>
+              <a:rPr lang="ko-KR" altLang="en-US" sz="1400" dirty="0" smtClean="0"/>
+              <a:t> 출력</a:t>
+            </a:r>
+            <a:r>
+              <a:rPr lang="en-US" altLang="ko-KR" sz="1400" dirty="0" smtClean="0"/>
+              <a:t>. </a:t>
+            </a:r>
+            <a:r>
+              <a:rPr lang="ko-KR" altLang="en-US" sz="1400" dirty="0" smtClean="0"/>
+              <a:t>출력 후</a:t>
+            </a:r>
+            <a:r>
+              <a:rPr lang="en-US" altLang="ko-KR" sz="1400" dirty="0" smtClean="0"/>
+              <a:t>,</a:t>
+            </a:r>
+            <a:r>
+              <a:rPr lang="ko-KR" altLang="en-US" sz="1400" dirty="0" smtClean="0"/>
+              <a:t> 그림이나 글을 남겨 저장</a:t>
+            </a:r>
+            <a:endParaRPr lang="en-US" altLang="ko-KR" sz="1400" dirty="0" smtClean="0"/>
+          </a:p>
+          <a:p>
+            <a:pPr lvl="1"/>
+            <a:endParaRPr lang="en-US" altLang="ko-KR" sz="1400" dirty="0" smtClean="0"/>
+          </a:p>
+          <a:p>
+            <a:pPr lvl="1"/>
+            <a:r>
+              <a:rPr lang="en-US" altLang="ko-KR" sz="1400" dirty="0" smtClean="0"/>
+              <a:t>3. </a:t>
+            </a:r>
+            <a:r>
+              <a:rPr lang="ko-KR" altLang="en-US" sz="1400" dirty="0" smtClean="0"/>
+              <a:t>캐릭터 대화</a:t>
+            </a:r>
+            <a:r>
+              <a:rPr lang="en-US" altLang="ko-KR" sz="1400" dirty="0" smtClean="0"/>
+              <a:t>: </a:t>
+            </a:r>
+            <a:r>
+              <a:rPr lang="ko-KR" altLang="en-US" sz="1400" dirty="0" smtClean="0"/>
+              <a:t>목표 지점으로 이동 중 발생하는 이벤트</a:t>
+            </a:r>
+            <a:r>
+              <a:rPr lang="en-US" altLang="ko-KR" sz="1400" dirty="0" smtClean="0"/>
+              <a:t>, </a:t>
+            </a:r>
+            <a:r>
+              <a:rPr lang="ko-KR" altLang="en-US" sz="1400" dirty="0" smtClean="0"/>
+              <a:t>캐릭터와 대화하며 선택지에 따라 호감도가 증가하거나 하락한다</a:t>
             </a:r>
             <a:r>
               <a:rPr lang="en-US" altLang="ko-KR" sz="1400" dirty="0" smtClean="0"/>
               <a:t>.</a:t>
             </a:r>
-            <a:endParaRPr lang="ko-KR" altLang="en-US" sz="1400" dirty="0"/>
+          </a:p>
+          <a:p>
+            <a:pPr lvl="1"/>
+            <a:endParaRPr lang="en-US" altLang="ko-KR" sz="1400" dirty="0" smtClean="0"/>
+          </a:p>
+          <a:p>
+            <a:pPr lvl="1"/>
+            <a:r>
+              <a:rPr lang="en-US" altLang="ko-KR" sz="1400" dirty="0" smtClean="0"/>
+              <a:t>4. </a:t>
+            </a:r>
+            <a:r>
+              <a:rPr lang="ko-KR" altLang="en-US" sz="1400" dirty="0" smtClean="0"/>
+              <a:t>특별 </a:t>
+            </a:r>
+            <a:r>
+              <a:rPr lang="en-US" altLang="ko-KR" sz="1400" dirty="0" smtClean="0"/>
+              <a:t>VPS </a:t>
+            </a:r>
+            <a:r>
+              <a:rPr lang="ko-KR" altLang="en-US" sz="1400" dirty="0" smtClean="0"/>
+              <a:t>이벤트</a:t>
+            </a:r>
+            <a:r>
+              <a:rPr lang="en-US" altLang="ko-KR" sz="1400" dirty="0" smtClean="0"/>
+              <a:t>: </a:t>
+            </a:r>
+            <a:r>
+              <a:rPr lang="ko-KR" altLang="en-US" sz="1400" dirty="0" smtClean="0"/>
+              <a:t>목표 지점으로 이동할 때 발생하는 이벤트</a:t>
+            </a:r>
+            <a:r>
+              <a:rPr lang="en-US" altLang="ko-KR" sz="1400" dirty="0" smtClean="0"/>
+              <a:t>, </a:t>
+            </a:r>
+            <a:r>
+              <a:rPr lang="ko-KR" altLang="en-US" sz="1400" dirty="0" smtClean="0"/>
+              <a:t>색상 필터가 활성화되거나 특정 오브젝트가 생성된다</a:t>
+            </a:r>
+            <a:endParaRPr lang="en-US" altLang="ko-KR" sz="1400" dirty="0" smtClean="0"/>
           </a:p>
         </p:txBody>
       </p:sp>
@@ -3619,8 +3567,8 @@
         </p:nvSpPr>
         <p:spPr>
           <a:xfrm>
-            <a:off x="6272981" y="2723536"/>
-            <a:ext cx="5279922" cy="738664"/>
+            <a:off x="5599650" y="4584436"/>
+            <a:ext cx="5963354" cy="2031325"/>
           </a:xfrm>
           <a:prstGeom prst="rect">
             <a:avLst/>
@@ -3634,131 +3582,66 @@
           <a:lstStyle/>
           <a:p>
             <a:r>
+              <a:rPr lang="en-US" altLang="ko-KR" sz="1400" b="1" dirty="0" smtClean="0"/>
+              <a:t>- </a:t>
+            </a:r>
+            <a:r>
               <a:rPr lang="ko-KR" altLang="en-US" sz="1400" b="1" dirty="0" smtClean="0"/>
               <a:t>코인</a:t>
             </a:r>
             <a:r>
               <a:rPr lang="ko-KR" altLang="en-US" sz="1400" dirty="0" smtClean="0"/>
-              <a:t>으로 선물을 구매하거나 날아다니는 선물을 획득할 수 있음</a:t>
+              <a:t>으로 </a:t>
+            </a:r>
+            <a:r>
+              <a:rPr lang="ko-KR" altLang="en-US" sz="1400" dirty="0" smtClean="0"/>
+              <a:t>선물을 구매하거나 날아다니는 선물을 획득할 수 있음</a:t>
             </a:r>
             <a:endParaRPr lang="en-US" altLang="ko-KR" sz="1400" dirty="0" smtClean="0"/>
           </a:p>
           <a:p>
             <a:r>
+              <a:rPr lang="en-US" altLang="ko-KR" sz="1400" dirty="0" smtClean="0"/>
+              <a:t>- ‘</a:t>
+            </a:r>
+            <a:r>
+              <a:rPr lang="ko-KR" altLang="en-US" sz="1400" dirty="0" smtClean="0"/>
+              <a:t>하나</a:t>
+            </a:r>
+            <a:r>
+              <a:rPr lang="en-US" altLang="ko-KR" sz="1400" dirty="0" smtClean="0"/>
+              <a:t>’</a:t>
+            </a:r>
+            <a:r>
+              <a:rPr lang="ko-KR" altLang="en-US" sz="1400" dirty="0" smtClean="0"/>
+              <a:t>를 </a:t>
+            </a:r>
+            <a:r>
+              <a:rPr lang="ko-KR" altLang="en-US" sz="1400" dirty="0" smtClean="0"/>
+              <a:t>소환하고 선물할 수 있음</a:t>
+            </a:r>
+            <a:endParaRPr lang="en-US" altLang="ko-KR" sz="1400" dirty="0"/>
+          </a:p>
+          <a:p>
+            <a:r>
+              <a:rPr lang="en-US" altLang="ko-KR" sz="1400" dirty="0" smtClean="0"/>
+              <a:t>- </a:t>
+            </a:r>
+            <a:r>
               <a:rPr lang="ko-KR" altLang="en-US" sz="1400" dirty="0" err="1" smtClean="0"/>
-              <a:t>하나쨩을</a:t>
+              <a:t>미니맵에</a:t>
             </a:r>
             <a:r>
               <a:rPr lang="ko-KR" altLang="en-US" sz="1400" dirty="0" smtClean="0"/>
-              <a:t> 소환하고 선물할 수 있음</a:t>
-            </a:r>
-            <a:endParaRPr lang="en-US" altLang="ko-KR" sz="1400" dirty="0"/>
-          </a:p>
-          <a:p>
-            <a:r>
-              <a:rPr lang="ko-KR" altLang="en-US" sz="1400" dirty="0" err="1" smtClean="0"/>
-              <a:t>맵을</a:t>
+              <a:t> </a:t>
             </a:r>
             <a:r>
               <a:rPr lang="ko-KR" altLang="en-US" sz="1400" dirty="0" smtClean="0"/>
-              <a:t> 열면 선물 구매</a:t>
-            </a:r>
-            <a:r>
-              <a:rPr lang="en-US" altLang="ko-KR" sz="1400" dirty="0" smtClean="0"/>
-              <a:t>/</a:t>
+              <a:t>선물 </a:t>
             </a:r>
             <a:r>
               <a:rPr lang="ko-KR" altLang="en-US" sz="1400" dirty="0" smtClean="0"/>
-              <a:t>획득 장소 볼 수 있음</a:t>
-            </a:r>
-            <a:r>
-              <a:rPr lang="en-US" altLang="ko-KR" sz="1400" dirty="0" smtClean="0"/>
-              <a:t>.</a:t>
-            </a:r>
-            <a:endParaRPr lang="ko-KR" altLang="en-US" sz="1400" dirty="0"/>
-          </a:p>
-        </p:txBody>
-      </p:sp>
-      <p:sp>
-        <p:nvSpPr>
-          <p:cNvPr id="22" name="TextBox 21"/>
-          <p:cNvSpPr txBox="1"/>
-          <p:nvPr/>
-        </p:nvSpPr>
-        <p:spPr>
-          <a:xfrm>
-            <a:off x="6272981" y="3688341"/>
-            <a:ext cx="5279922" cy="738664"/>
-          </a:xfrm>
-          <a:prstGeom prst="rect">
-            <a:avLst/>
-          </a:prstGeom>
-          <a:noFill/>
-        </p:spPr>
-        <p:txBody>
-          <a:bodyPr wrap="square" rtlCol="0">
-            <a:spAutoFit/>
-          </a:bodyPr>
-          <a:lstStyle/>
-          <a:p>
-            <a:r>
-              <a:rPr lang="ko-KR" altLang="en-US" sz="1400" dirty="0" smtClean="0"/>
-              <a:t>이미 클리어한 스토리모드를 다시 플레이 가능</a:t>
-            </a:r>
-            <a:r>
-              <a:rPr lang="en-US" altLang="ko-KR" sz="1400" dirty="0" smtClean="0"/>
-              <a:t>. </a:t>
-            </a:r>
-            <a:endParaRPr lang="en-US" altLang="ko-KR" sz="1400" dirty="0"/>
-          </a:p>
-          <a:p>
-            <a:r>
-              <a:rPr lang="ko-KR" altLang="en-US" sz="1400" dirty="0" smtClean="0"/>
-              <a:t>내가 선택하지 않은 루트도 플레이 가능</a:t>
-            </a:r>
-            <a:r>
-              <a:rPr lang="en-US" altLang="ko-KR" sz="1400" dirty="0" smtClean="0"/>
-              <a:t>.</a:t>
-            </a:r>
-          </a:p>
-          <a:p>
-            <a:r>
-              <a:rPr lang="ko-KR" altLang="en-US" sz="1400" dirty="0" smtClean="0"/>
-              <a:t>과거에 본 특별 이벤트 다시 보기 가능</a:t>
-            </a:r>
-            <a:r>
-              <a:rPr lang="en-US" altLang="ko-KR" sz="1400" dirty="0" smtClean="0"/>
-              <a:t>.</a:t>
-            </a:r>
-            <a:endParaRPr lang="ko-KR" altLang="en-US" sz="1400" dirty="0"/>
-          </a:p>
-        </p:txBody>
-      </p:sp>
-      <p:sp>
-        <p:nvSpPr>
-          <p:cNvPr id="23" name="TextBox 22"/>
-          <p:cNvSpPr txBox="1"/>
-          <p:nvPr/>
-        </p:nvSpPr>
-        <p:spPr>
-          <a:xfrm>
-            <a:off x="6272981" y="4650658"/>
-            <a:ext cx="5279922" cy="738664"/>
-          </a:xfrm>
-          <a:prstGeom prst="rect">
-            <a:avLst/>
-          </a:prstGeom>
-          <a:noFill/>
-        </p:spPr>
-        <p:txBody>
-          <a:bodyPr wrap="square" rtlCol="0">
-            <a:spAutoFit/>
-          </a:bodyPr>
-          <a:lstStyle/>
-          <a:p>
-            <a:r>
-              <a:rPr lang="ko-KR" altLang="en-US" sz="1400" dirty="0" smtClean="0"/>
-              <a:t>호감도 획득으로 열리는</a:t>
+              <a:t>구매</a:t>
             </a:r>
             <a:r>
               <a:rPr lang="en-US" altLang="ko-KR" sz="1400" dirty="0"/>
@@ -3766,33 +3649,74 @@
             </a:r>
             <a:r>
               <a:rPr lang="ko-KR" altLang="en-US" sz="1400" dirty="0" smtClean="0"/>
-              <a:t>스토리 감상 가능</a:t>
-            </a:r>
+              <a:t>장소와 무료 선물 위치</a:t>
+            </a:r>
+            <a:r>
+              <a:rPr lang="ko-KR" altLang="en-US" sz="1400" dirty="0" smtClean="0"/>
+              <a:t>가 출력됨</a:t>
+            </a:r>
+            <a:endParaRPr lang="en-US" altLang="ko-KR" sz="1400" dirty="0" smtClean="0"/>
+          </a:p>
+          <a:p>
             <a:r>
               <a:rPr lang="en-US" altLang="ko-KR" sz="1400" dirty="0" smtClean="0"/>
-              <a:t>.</a:t>
-            </a:r>
+              <a:t>- </a:t>
+            </a:r>
+            <a:r>
+              <a:rPr lang="ko-KR" altLang="en-US" sz="1400" dirty="0" smtClean="0"/>
+              <a:t>선물을 무료와 유료로 나누어져 있음</a:t>
+            </a:r>
+            <a:endParaRPr lang="en-US" altLang="ko-KR" sz="1400" dirty="0" smtClean="0"/>
           </a:p>
           <a:p>
             <a:r>
               <a:rPr lang="en-US" altLang="ko-KR" sz="1400" dirty="0" smtClean="0"/>
-              <a:t>AR </a:t>
+              <a:t>- </a:t>
             </a:r>
             <a:r>
               <a:rPr lang="ko-KR" altLang="en-US" sz="1400" dirty="0" smtClean="0"/>
-              <a:t>기능없이 영상이나 </a:t>
-            </a:r>
+              <a:t>무료 선물은 산책을 하면서 </a:t>
+            </a:r>
+            <a:r>
+              <a:rPr lang="ko-KR" altLang="en-US" sz="1400" dirty="0" err="1" smtClean="0"/>
+              <a:t>미니맵에</a:t>
+            </a:r>
+            <a:r>
+              <a:rPr lang="ko-KR" altLang="en-US" sz="1400" dirty="0" smtClean="0"/>
+              <a:t> 랜덤으로 출현하는 선물을 뜻함</a:t>
+            </a:r>
+            <a:endParaRPr lang="en-US" altLang="ko-KR" sz="1400" dirty="0" smtClean="0"/>
+          </a:p>
+          <a:p>
             <a:r>
               <a:rPr lang="en-US" altLang="ko-KR" sz="1400" dirty="0" smtClean="0"/>
-              <a:t>2D</a:t>
+              <a:t>- </a:t>
             </a:r>
             <a:r>
               <a:rPr lang="ko-KR" altLang="en-US" sz="1400" dirty="0" smtClean="0"/>
-              <a:t>그림에 텍스트 넣은 순수 스토리 감상 모드로 생각 중</a:t>
-            </a:r>
-            <a:r>
-              <a:rPr lang="en-US" altLang="ko-KR" sz="1400" dirty="0" smtClean="0"/>
-              <a:t>.</a:t>
+              <a:t>유료 선물은 유료 선물 구매 장소에서 코인으로 구매 가능</a:t>
+            </a:r>
+            <a:endParaRPr lang="en-US" altLang="ko-KR" sz="1400" dirty="0" smtClean="0"/>
+          </a:p>
+          <a:p>
+            <a:pPr marL="285750" indent="-285750">
+              <a:buFontTx/>
+              <a:buChar char="-"/>
+            </a:pPr>
+            <a:r>
+              <a:rPr lang="ko-KR" altLang="en-US" sz="1400" dirty="0" smtClean="0"/>
+              <a:t>캐릭터가 좋아하는 선물을 캐릭터에게 주었을 때 무료 선물 보다 호감도가 더 높게 증가함</a:t>
+            </a:r>
+            <a:endParaRPr lang="en-US" altLang="ko-KR" sz="1400" dirty="0" smtClean="0"/>
+          </a:p>
+          <a:p>
+            <a:pPr marL="285750" indent="-285750">
+              <a:buFontTx/>
+              <a:buChar char="-"/>
+            </a:pPr>
+            <a:r>
+              <a:rPr lang="ko-KR" altLang="en-US" sz="1400" smtClean="0"/>
+              <a:t>캐릭터가 좋아하지 않는 선물을 캐릭터에게 주면 호감도가 하락함</a:t>
             </a:r>
             <a:endParaRPr lang="ko-KR" altLang="en-US" sz="1400" dirty="0"/>
           </a:p>
@@ -3806,7 +3730,7 @@
         </p:nvSpPr>
         <p:spPr>
           <a:xfrm>
-            <a:off x="2760407" y="1144751"/>
+            <a:off x="2062138" y="213724"/>
             <a:ext cx="1764890" cy="523220"/>
           </a:xfrm>
           <a:prstGeom prst="rect">
@@ -3822,15 +3746,7 @@
           <a:p>
             <a:r>
               <a:rPr lang="ko-KR" altLang="en-US" sz="1400" dirty="0" smtClean="0"/>
-              <a:t>웃는 </a:t>
-            </a:r>
-            <a:r>
-              <a:rPr lang="ko-KR" altLang="en-US" sz="1400" dirty="0" smtClean="0"/>
-              <a:t>하나 </a:t>
-            </a:r>
-            <a:r>
-              <a:rPr lang="ko-KR" altLang="en-US" sz="1400" dirty="0" smtClean="0"/>
-              <a:t>얼굴과 메뉴가 있는 화면</a:t>
+              <a:t>웃는 하나 얼굴과 메뉴가 있는 화면</a:t>
             </a:r>
             <a:endParaRPr lang="ko-KR" altLang="en-US" sz="1400" dirty="0"/>
           </a:p>
@@ -3844,7 +3760,7 @@
         </p:nvSpPr>
         <p:spPr>
           <a:xfrm>
-            <a:off x="624349" y="5486401"/>
+            <a:off x="114233" y="5877098"/>
             <a:ext cx="3667432" cy="523220"/>
           </a:xfrm>
           <a:prstGeom prst="rect">
